--- a/S4cam/groupedCameras/TMP_mech_Var4/TMP_camera_groupings_03-15-2021/strehls_2designs.pptx
+++ b/S4cam/groupedCameras/TMP_mech_Var4/TMP_camera_groupings_03-15-2021/strehls_2designs.pptx
@@ -3717,6 +3717,390 @@
           </a:prstGeom>
         </p:spPr>
       </p:pic>
+      <p:sp>
+        <p:nvSpPr>
+          <p:cNvPr id="2" name="TextBox 1">
+            <a:extLst>
+              <a:ext uri="{FF2B5EF4-FFF2-40B4-BE49-F238E27FC236}">
+                <a16:creationId xmlns:a16="http://schemas.microsoft.com/office/drawing/2014/main" id="{D0A9E197-CE75-4849-9947-CAEAB5656E5A}"/>
+              </a:ext>
+            </a:extLst>
+          </p:cNvPr>
+          <p:cNvSpPr txBox="1"/>
+          <p:nvPr/>
+        </p:nvSpPr>
+        <p:spPr>
+          <a:xfrm>
+            <a:off x="7468254" y="189710"/>
+            <a:ext cx="2119210" cy="369332"/>
+          </a:xfrm>
+          <a:prstGeom prst="rect">
+            <a:avLst/>
+          </a:prstGeom>
+          <a:noFill/>
+        </p:spPr>
+        <p:txBody>
+          <a:bodyPr wrap="square" rtlCol="0">
+            <a:spAutoFit/>
+          </a:bodyPr>
+          <a:lstStyle/>
+          <a:p>
+            <a:r>
+              <a:rPr lang="en-US" dirty="0" err="1"/>
+              <a:t>Xy_symmetric.zmx</a:t>
+            </a:r>
+            <a:endParaRPr lang="en-US" dirty="0"/>
+          </a:p>
+        </p:txBody>
+      </p:sp>
+      <p:sp>
+        <p:nvSpPr>
+          <p:cNvPr id="14" name="TextBox 13">
+            <a:extLst>
+              <a:ext uri="{FF2B5EF4-FFF2-40B4-BE49-F238E27FC236}">
+                <a16:creationId xmlns:a16="http://schemas.microsoft.com/office/drawing/2014/main" id="{17923B9B-82F2-4569-9C34-B8FF1E8C1A98}"/>
+              </a:ext>
+            </a:extLst>
+          </p:cNvPr>
+          <p:cNvSpPr txBox="1"/>
+          <p:nvPr/>
+        </p:nvSpPr>
+        <p:spPr>
+          <a:xfrm>
+            <a:off x="1388676" y="185851"/>
+            <a:ext cx="3376597" cy="369332"/>
+          </a:xfrm>
+          <a:prstGeom prst="rect">
+            <a:avLst/>
+          </a:prstGeom>
+          <a:noFill/>
+        </p:spPr>
+        <p:txBody>
+          <a:bodyPr wrap="square" rtlCol="0">
+            <a:spAutoFit/>
+          </a:bodyPr>
+          <a:lstStyle/>
+          <a:p>
+            <a:r>
+              <a:rPr lang="en-US" dirty="0" err="1"/>
+              <a:t>Xy_symmetric_alternative.zmx</a:t>
+            </a:r>
+            <a:endParaRPr lang="en-US" dirty="0"/>
+          </a:p>
+        </p:txBody>
+      </p:sp>
+      <p:sp>
+        <p:nvSpPr>
+          <p:cNvPr id="4" name="TextBox 3">
+            <a:extLst>
+              <a:ext uri="{FF2B5EF4-FFF2-40B4-BE49-F238E27FC236}">
+                <a16:creationId xmlns:a16="http://schemas.microsoft.com/office/drawing/2014/main" id="{B4077CC0-BFAE-4D0A-AF5D-AFD3CDA5B3D6}"/>
+              </a:ext>
+            </a:extLst>
+          </p:cNvPr>
+          <p:cNvSpPr txBox="1"/>
+          <p:nvPr/>
+        </p:nvSpPr>
+        <p:spPr>
+          <a:xfrm>
+            <a:off x="2870929" y="3082715"/>
+            <a:ext cx="206046" cy="369332"/>
+          </a:xfrm>
+          <a:prstGeom prst="rect">
+            <a:avLst/>
+          </a:prstGeom>
+          <a:noFill/>
+        </p:spPr>
+        <p:txBody>
+          <a:bodyPr wrap="square" rtlCol="0">
+            <a:spAutoFit/>
+          </a:bodyPr>
+          <a:lstStyle/>
+          <a:p>
+            <a:r>
+              <a:rPr lang="en-US" dirty="0">
+                <a:solidFill>
+                  <a:schemeClr val="accent1"/>
+                </a:solidFill>
+              </a:rPr>
+              <a:t>*</a:t>
+            </a:r>
+          </a:p>
+        </p:txBody>
+      </p:sp>
+      <p:sp>
+        <p:nvSpPr>
+          <p:cNvPr id="20" name="TextBox 19">
+            <a:extLst>
+              <a:ext uri="{FF2B5EF4-FFF2-40B4-BE49-F238E27FC236}">
+                <a16:creationId xmlns:a16="http://schemas.microsoft.com/office/drawing/2014/main" id="{D0E49887-C294-426A-BA3E-6E109E812F7F}"/>
+              </a:ext>
+            </a:extLst>
+          </p:cNvPr>
+          <p:cNvSpPr txBox="1"/>
+          <p:nvPr/>
+        </p:nvSpPr>
+        <p:spPr>
+          <a:xfrm>
+            <a:off x="8551348" y="1816921"/>
+            <a:ext cx="206046" cy="369332"/>
+          </a:xfrm>
+          <a:prstGeom prst="rect">
+            <a:avLst/>
+          </a:prstGeom>
+          <a:noFill/>
+        </p:spPr>
+        <p:txBody>
+          <a:bodyPr wrap="square" rtlCol="0">
+            <a:spAutoFit/>
+          </a:bodyPr>
+          <a:lstStyle/>
+          <a:p>
+            <a:r>
+              <a:rPr lang="en-US" dirty="0">
+                <a:solidFill>
+                  <a:schemeClr val="accent1"/>
+                </a:solidFill>
+              </a:rPr>
+              <a:t>*</a:t>
+            </a:r>
+          </a:p>
+        </p:txBody>
+      </p:sp>
+      <p:sp>
+        <p:nvSpPr>
+          <p:cNvPr id="21" name="TextBox 20">
+            <a:extLst>
+              <a:ext uri="{FF2B5EF4-FFF2-40B4-BE49-F238E27FC236}">
+                <a16:creationId xmlns:a16="http://schemas.microsoft.com/office/drawing/2014/main" id="{5E8F0C6F-8ABE-4AEF-99E4-20B0ABCFF015}"/>
+              </a:ext>
+            </a:extLst>
+          </p:cNvPr>
+          <p:cNvSpPr txBox="1"/>
+          <p:nvPr/>
+        </p:nvSpPr>
+        <p:spPr>
+          <a:xfrm>
+            <a:off x="2870929" y="4758178"/>
+            <a:ext cx="206046" cy="369332"/>
+          </a:xfrm>
+          <a:prstGeom prst="rect">
+            <a:avLst/>
+          </a:prstGeom>
+          <a:noFill/>
+        </p:spPr>
+        <p:txBody>
+          <a:bodyPr wrap="square" rtlCol="0">
+            <a:spAutoFit/>
+          </a:bodyPr>
+          <a:lstStyle/>
+          <a:p>
+            <a:r>
+              <a:rPr lang="en-US" dirty="0">
+                <a:solidFill>
+                  <a:schemeClr val="accent1"/>
+                </a:solidFill>
+              </a:rPr>
+              <a:t>*</a:t>
+            </a:r>
+          </a:p>
+        </p:txBody>
+      </p:sp>
+      <p:sp>
+        <p:nvSpPr>
+          <p:cNvPr id="22" name="TextBox 21">
+            <a:extLst>
+              <a:ext uri="{FF2B5EF4-FFF2-40B4-BE49-F238E27FC236}">
+                <a16:creationId xmlns:a16="http://schemas.microsoft.com/office/drawing/2014/main" id="{D7C8BACB-E8E7-4CC6-B4AF-9678A4CA64A5}"/>
+              </a:ext>
+            </a:extLst>
+          </p:cNvPr>
+          <p:cNvSpPr txBox="1"/>
+          <p:nvPr/>
+        </p:nvSpPr>
+        <p:spPr>
+          <a:xfrm>
+            <a:off x="8577080" y="4355636"/>
+            <a:ext cx="206046" cy="369332"/>
+          </a:xfrm>
+          <a:prstGeom prst="rect">
+            <a:avLst/>
+          </a:prstGeom>
+          <a:noFill/>
+        </p:spPr>
+        <p:txBody>
+          <a:bodyPr wrap="square" rtlCol="0">
+            <a:spAutoFit/>
+          </a:bodyPr>
+          <a:lstStyle/>
+          <a:p>
+            <a:r>
+              <a:rPr lang="en-US" dirty="0">
+                <a:solidFill>
+                  <a:schemeClr val="accent1"/>
+                </a:solidFill>
+              </a:rPr>
+              <a:t>*</a:t>
+            </a:r>
+          </a:p>
+        </p:txBody>
+      </p:sp>
+      <p:sp>
+        <p:nvSpPr>
+          <p:cNvPr id="23" name="TextBox 22">
+            <a:extLst>
+              <a:ext uri="{FF2B5EF4-FFF2-40B4-BE49-F238E27FC236}">
+                <a16:creationId xmlns:a16="http://schemas.microsoft.com/office/drawing/2014/main" id="{25A5B6A6-8A73-4048-A433-BA233B09DE3E}"/>
+              </a:ext>
+            </a:extLst>
+          </p:cNvPr>
+          <p:cNvSpPr txBox="1"/>
+          <p:nvPr/>
+        </p:nvSpPr>
+        <p:spPr>
+          <a:xfrm>
+            <a:off x="8321813" y="3076085"/>
+            <a:ext cx="206046" cy="369332"/>
+          </a:xfrm>
+          <a:prstGeom prst="rect">
+            <a:avLst/>
+          </a:prstGeom>
+          <a:noFill/>
+        </p:spPr>
+        <p:txBody>
+          <a:bodyPr wrap="square" rtlCol="0">
+            <a:spAutoFit/>
+          </a:bodyPr>
+          <a:lstStyle/>
+          <a:p>
+            <a:r>
+              <a:rPr lang="en-US" dirty="0">
+                <a:solidFill>
+                  <a:schemeClr val="accent1"/>
+                </a:solidFill>
+              </a:rPr>
+              <a:t>*</a:t>
+            </a:r>
+          </a:p>
+        </p:txBody>
+      </p:sp>
+      <p:sp>
+        <p:nvSpPr>
+          <p:cNvPr id="24" name="TextBox 23">
+            <a:extLst>
+              <a:ext uri="{FF2B5EF4-FFF2-40B4-BE49-F238E27FC236}">
+                <a16:creationId xmlns:a16="http://schemas.microsoft.com/office/drawing/2014/main" id="{98252CA5-C02C-44C6-835F-97F5FAB7C5BA}"/>
+              </a:ext>
+            </a:extLst>
+          </p:cNvPr>
+          <p:cNvSpPr txBox="1"/>
+          <p:nvPr/>
+        </p:nvSpPr>
+        <p:spPr>
+          <a:xfrm>
+            <a:off x="6845396" y="3082715"/>
+            <a:ext cx="206046" cy="369332"/>
+          </a:xfrm>
+          <a:prstGeom prst="rect">
+            <a:avLst/>
+          </a:prstGeom>
+          <a:noFill/>
+        </p:spPr>
+        <p:txBody>
+          <a:bodyPr wrap="square" rtlCol="0">
+            <a:spAutoFit/>
+          </a:bodyPr>
+          <a:lstStyle/>
+          <a:p>
+            <a:r>
+              <a:rPr lang="en-US" dirty="0">
+                <a:solidFill>
+                  <a:schemeClr val="accent1"/>
+                </a:solidFill>
+              </a:rPr>
+              <a:t>*</a:t>
+            </a:r>
+          </a:p>
+        </p:txBody>
+      </p:sp>
+      <p:sp>
+        <p:nvSpPr>
+          <p:cNvPr id="25" name="TextBox 24">
+            <a:extLst>
+              <a:ext uri="{FF2B5EF4-FFF2-40B4-BE49-F238E27FC236}">
+                <a16:creationId xmlns:a16="http://schemas.microsoft.com/office/drawing/2014/main" id="{219F406D-DCD3-4CAE-9FA9-D1C36AD5128E}"/>
+              </a:ext>
+            </a:extLst>
+          </p:cNvPr>
+          <p:cNvSpPr txBox="1"/>
+          <p:nvPr/>
+        </p:nvSpPr>
+        <p:spPr>
+          <a:xfrm>
+            <a:off x="2901142" y="1325450"/>
+            <a:ext cx="206046" cy="369332"/>
+          </a:xfrm>
+          <a:prstGeom prst="rect">
+            <a:avLst/>
+          </a:prstGeom>
+          <a:noFill/>
+        </p:spPr>
+        <p:txBody>
+          <a:bodyPr wrap="square" rtlCol="0">
+            <a:spAutoFit/>
+          </a:bodyPr>
+          <a:lstStyle/>
+          <a:p>
+            <a:r>
+              <a:rPr lang="en-US" dirty="0">
+                <a:solidFill>
+                  <a:schemeClr val="accent1"/>
+                </a:solidFill>
+              </a:rPr>
+              <a:t>*</a:t>
+            </a:r>
+          </a:p>
+        </p:txBody>
+      </p:sp>
+      <p:sp>
+        <p:nvSpPr>
+          <p:cNvPr id="26" name="TextBox 25">
+            <a:extLst>
+              <a:ext uri="{FF2B5EF4-FFF2-40B4-BE49-F238E27FC236}">
+                <a16:creationId xmlns:a16="http://schemas.microsoft.com/office/drawing/2014/main" id="{97B1FBE9-086D-4D3E-BE87-40692A4B0EDC}"/>
+              </a:ext>
+            </a:extLst>
+          </p:cNvPr>
+          <p:cNvSpPr txBox="1"/>
+          <p:nvPr/>
+        </p:nvSpPr>
+        <p:spPr>
+          <a:xfrm>
+            <a:off x="1182630" y="2658219"/>
+            <a:ext cx="206046" cy="369332"/>
+          </a:xfrm>
+          <a:prstGeom prst="rect">
+            <a:avLst/>
+          </a:prstGeom>
+          <a:noFill/>
+        </p:spPr>
+        <p:txBody>
+          <a:bodyPr wrap="square" rtlCol="0">
+            <a:spAutoFit/>
+          </a:bodyPr>
+          <a:lstStyle/>
+          <a:p>
+            <a:r>
+              <a:rPr lang="en-US" dirty="0">
+                <a:solidFill>
+                  <a:schemeClr val="accent1"/>
+                </a:solidFill>
+              </a:rPr>
+              <a:t>*</a:t>
+            </a:r>
+          </a:p>
+        </p:txBody>
+      </p:sp>
     </p:spTree>
     <p:extLst>
       <p:ext uri="{BB962C8B-B14F-4D97-AF65-F5344CB8AC3E}">
